--- a/presentation/presentationFinalVersion.pptx
+++ b/presentation/presentationFinalVersion.pptx
@@ -42,7 +42,7 @@
 </file>
 
 <file path=ppt/slideLayouts/slideLayout1.xml><?xml version="1.0" encoding="utf-8"?>
-<p:sldLayout xmlns:a="http://schemas.openxmlformats.org/drawingml/2006/main" xmlns:r="http://schemas.openxmlformats.org/officeDocument/2006/relationships" xmlns:p="http://schemas.openxmlformats.org/presentationml/2006/main" type="obj" preserve="1">
+<p:sldLayout xmlns:a="http://schemas.openxmlformats.org/drawingml/2006/main" xmlns:r="http://schemas.openxmlformats.org/officeDocument/2006/relationships" xmlns:p="http://schemas.openxmlformats.org/presentationml/2006/main" showMasterSp="0" type="obj" preserve="1">
   <p:cSld name="Title Slide">
     <p:spTree>
       <p:nvGrpSpPr>
@@ -239,7 +239,7 @@
 </file>
 
 <file path=ppt/slideLayouts/slideLayout2.xml><?xml version="1.0" encoding="utf-8"?>
-<p:sldLayout xmlns:a="http://schemas.openxmlformats.org/drawingml/2006/main" xmlns:r="http://schemas.openxmlformats.org/officeDocument/2006/relationships" xmlns:p="http://schemas.openxmlformats.org/presentationml/2006/main" type="obj" preserve="1">
+<p:sldLayout xmlns:a="http://schemas.openxmlformats.org/drawingml/2006/main" xmlns:r="http://schemas.openxmlformats.org/officeDocument/2006/relationships" xmlns:p="http://schemas.openxmlformats.org/presentationml/2006/main" showMasterSp="0" type="obj" preserve="1">
   <p:cSld name="Title and Content">
     <p:spTree>
       <p:nvGrpSpPr>
@@ -416,7 +416,7 @@
 </file>
 
 <file path=ppt/slideLayouts/slideLayout3.xml><?xml version="1.0" encoding="utf-8"?>
-<p:sldLayout xmlns:a="http://schemas.openxmlformats.org/drawingml/2006/main" xmlns:r="http://schemas.openxmlformats.org/officeDocument/2006/relationships" xmlns:p="http://schemas.openxmlformats.org/presentationml/2006/main" type="obj" preserve="1">
+<p:sldLayout xmlns:a="http://schemas.openxmlformats.org/drawingml/2006/main" xmlns:r="http://schemas.openxmlformats.org/officeDocument/2006/relationships" xmlns:p="http://schemas.openxmlformats.org/presentationml/2006/main" showMasterSp="0" type="obj" preserve="1">
   <p:cSld name="Two Content">
     <p:spTree>
       <p:nvGrpSpPr>
@@ -632,14 +632,6 @@
 <file path=ppt/slideLayouts/slideLayout4.xml><?xml version="1.0" encoding="utf-8"?>
 <p:sldLayout xmlns:a="http://schemas.openxmlformats.org/drawingml/2006/main" xmlns:r="http://schemas.openxmlformats.org/officeDocument/2006/relationships" xmlns:p="http://schemas.openxmlformats.org/presentationml/2006/main" showMasterSp="0" type="obj" preserve="1">
   <p:cSld name="Title Only">
-    <p:bg>
-      <p:bgPr>
-        <a:solidFill>
-          <a:schemeClr val="bg1"/>
-        </a:solidFill>
-        <a:effectLst/>
-      </p:bgPr>
-    </p:bg>
     <p:spTree>
       <p:nvGrpSpPr>
         <p:cNvPr id="1" name=""/>
@@ -808,7 +800,7 @@
 </file>
 
 <file path=ppt/slideLayouts/slideLayout5.xml><?xml version="1.0" encoding="utf-8"?>
-<p:sldLayout xmlns:a="http://schemas.openxmlformats.org/drawingml/2006/main" xmlns:r="http://schemas.openxmlformats.org/officeDocument/2006/relationships" xmlns:p="http://schemas.openxmlformats.org/presentationml/2006/main" type="obj" preserve="1">
+<p:sldLayout xmlns:a="http://schemas.openxmlformats.org/drawingml/2006/main" xmlns:r="http://schemas.openxmlformats.org/officeDocument/2006/relationships" xmlns:p="http://schemas.openxmlformats.org/presentationml/2006/main" showMasterSp="0" type="obj" preserve="1">
   <p:cSld name="Blank">
     <p:spTree>
       <p:nvGrpSpPr>
@@ -932,7 +924,7 @@
     <p:bg>
       <p:bgPr>
         <a:solidFill>
-          <a:schemeClr val="bg1"/>
+          <a:srgbClr val="262A33"/>
         </a:solidFill>
         <a:effectLst/>
       </p:bgPr>
@@ -1308,16 +1300,8 @@
 </file>
 
 <file path=ppt/slides/slide1.xml><?xml version="1.0" encoding="utf-8"?>
-<p:sld xmlns:a="http://schemas.openxmlformats.org/drawingml/2006/main" xmlns:r="http://schemas.openxmlformats.org/officeDocument/2006/relationships" xmlns:p="http://schemas.openxmlformats.org/presentationml/2006/main">
+<p:sld xmlns:a="http://schemas.openxmlformats.org/drawingml/2006/main" xmlns:r="http://schemas.openxmlformats.org/officeDocument/2006/relationships" xmlns:p="http://schemas.openxmlformats.org/presentationml/2006/main" showMasterSp="0">
   <p:cSld>
-    <p:bg>
-      <p:bgPr>
-        <a:solidFill>
-          <a:srgbClr val="2A0D7D"/>
-        </a:solidFill>
-        <a:effectLst/>
-      </p:bgPr>
-    </p:bg>
     <p:spTree>
       <p:nvGrpSpPr>
         <p:cNvPr id="1" name=""/>
@@ -1811,14 +1795,6 @@
 <file path=ppt/slides/slide2.xml><?xml version="1.0" encoding="utf-8"?>
 <p:sld xmlns:a="http://schemas.openxmlformats.org/drawingml/2006/main" xmlns:r="http://schemas.openxmlformats.org/officeDocument/2006/relationships" xmlns:p="http://schemas.openxmlformats.org/presentationml/2006/main" showMasterSp="0">
   <p:cSld>
-    <p:bg>
-      <p:bgPr>
-        <a:solidFill>
-          <a:srgbClr val="2A0D7D"/>
-        </a:solidFill>
-        <a:effectLst/>
-      </p:bgPr>
-    </p:bg>
     <p:spTree>
       <p:nvGrpSpPr>
         <p:cNvPr id="1" name=""/>
@@ -3459,14 +3435,6 @@
 <file path=ppt/slides/slide3.xml><?xml version="1.0" encoding="utf-8"?>
 <p:sld xmlns:a="http://schemas.openxmlformats.org/drawingml/2006/main" xmlns:r="http://schemas.openxmlformats.org/officeDocument/2006/relationships" xmlns:p="http://schemas.openxmlformats.org/presentationml/2006/main" showMasterSp="0">
   <p:cSld>
-    <p:bg>
-      <p:bgPr>
-        <a:solidFill>
-          <a:srgbClr val="2A0D7D"/>
-        </a:solidFill>
-        <a:effectLst/>
-      </p:bgPr>
-    </p:bg>
     <p:spTree>
       <p:nvGrpSpPr>
         <p:cNvPr id="1" name=""/>
@@ -5562,14 +5530,6 @@
 <file path=ppt/slides/slide4.xml><?xml version="1.0" encoding="utf-8"?>
 <p:sld xmlns:a="http://schemas.openxmlformats.org/drawingml/2006/main" xmlns:r="http://schemas.openxmlformats.org/officeDocument/2006/relationships" xmlns:p="http://schemas.openxmlformats.org/presentationml/2006/main" showMasterSp="0">
   <p:cSld>
-    <p:bg>
-      <p:bgPr>
-        <a:solidFill>
-          <a:srgbClr val="2A0D7D"/>
-        </a:solidFill>
-        <a:effectLst/>
-      </p:bgPr>
-    </p:bg>
     <p:spTree>
       <p:nvGrpSpPr>
         <p:cNvPr id="1" name=""/>
@@ -7152,14 +7112,6 @@
 <file path=ppt/slides/slide5.xml><?xml version="1.0" encoding="utf-8"?>
 <p:sld xmlns:a="http://schemas.openxmlformats.org/drawingml/2006/main" xmlns:r="http://schemas.openxmlformats.org/officeDocument/2006/relationships" xmlns:p="http://schemas.openxmlformats.org/presentationml/2006/main" showMasterSp="0">
   <p:cSld>
-    <p:bg>
-      <p:bgPr>
-        <a:solidFill>
-          <a:srgbClr val="2A0D7D"/>
-        </a:solidFill>
-        <a:effectLst/>
-      </p:bgPr>
-    </p:bg>
     <p:spTree>
       <p:nvGrpSpPr>
         <p:cNvPr id="1" name=""/>
@@ -8345,14 +8297,6 @@
 <file path=ppt/slides/slide6.xml><?xml version="1.0" encoding="utf-8"?>
 <p:sld xmlns:a="http://schemas.openxmlformats.org/drawingml/2006/main" xmlns:r="http://schemas.openxmlformats.org/officeDocument/2006/relationships" xmlns:p="http://schemas.openxmlformats.org/presentationml/2006/main" showMasterSp="0">
   <p:cSld>
-    <p:bg>
-      <p:bgPr>
-        <a:solidFill>
-          <a:srgbClr val="2A0D7D"/>
-        </a:solidFill>
-        <a:effectLst/>
-      </p:bgPr>
-    </p:bg>
     <p:spTree>
       <p:nvGrpSpPr>
         <p:cNvPr id="1" name=""/>
@@ -9405,14 +9349,6 @@
 <file path=ppt/slides/slide7.xml><?xml version="1.0" encoding="utf-8"?>
 <p:sld xmlns:a="http://schemas.openxmlformats.org/drawingml/2006/main" xmlns:r="http://schemas.openxmlformats.org/officeDocument/2006/relationships" xmlns:p="http://schemas.openxmlformats.org/presentationml/2006/main" showMasterSp="0">
   <p:cSld>
-    <p:bg>
-      <p:bgPr>
-        <a:solidFill>
-          <a:srgbClr val="2A0D7D"/>
-        </a:solidFill>
-        <a:effectLst/>
-      </p:bgPr>
-    </p:bg>
     <p:spTree>
       <p:nvGrpSpPr>
         <p:cNvPr id="1" name=""/>
@@ -10817,14 +10753,6 @@
 <file path=ppt/slides/slide8.xml><?xml version="1.0" encoding="utf-8"?>
 <p:sld xmlns:a="http://schemas.openxmlformats.org/drawingml/2006/main" xmlns:r="http://schemas.openxmlformats.org/officeDocument/2006/relationships" xmlns:p="http://schemas.openxmlformats.org/presentationml/2006/main" showMasterSp="0">
   <p:cSld>
-    <p:bg>
-      <p:bgPr>
-        <a:solidFill>
-          <a:srgbClr val="2A0D7D"/>
-        </a:solidFill>
-        <a:effectLst/>
-      </p:bgPr>
-    </p:bg>
     <p:spTree>
       <p:nvGrpSpPr>
         <p:cNvPr id="1" name=""/>
@@ -12924,14 +12852,6 @@
 <file path=ppt/slides/slide9.xml><?xml version="1.0" encoding="utf-8"?>
 <p:sld xmlns:a="http://schemas.openxmlformats.org/drawingml/2006/main" xmlns:r="http://schemas.openxmlformats.org/officeDocument/2006/relationships" xmlns:p="http://schemas.openxmlformats.org/presentationml/2006/main" showMasterSp="0">
   <p:cSld>
-    <p:bg>
-      <p:bgPr>
-        <a:solidFill>
-          <a:srgbClr val="2A0D7D"/>
-        </a:solidFill>
-        <a:effectLst/>
-      </p:bgPr>
-    </p:bg>
     <p:spTree>
       <p:nvGrpSpPr>
         <p:cNvPr id="1" name=""/>
